--- a/frontend/Test-icon.pptx
+++ b/frontend/Test-icon.pptx
@@ -3350,7 +3350,7 @@
           <a:noFill/>
           <a:ln w="231775">
             <a:solidFill>
-              <a:srgbClr val="68A042"/>
+              <a:schemeClr val="accent2"/>
             </a:solidFill>
           </a:ln>
         </p:spPr>
@@ -3473,7 +3473,7 @@
           <a:noFill/>
           <a:ln w="231775">
             <a:solidFill>
-              <a:srgbClr val="68A042"/>
+              <a:schemeClr val="accent2"/>
             </a:solidFill>
           </a:ln>
         </p:spPr>
@@ -3722,7 +3722,7 @@
           <a:noFill/>
           <a:ln w="231775">
             <a:solidFill>
-              <a:srgbClr val="68A042"/>
+              <a:schemeClr val="accent2"/>
             </a:solidFill>
           </a:ln>
         </p:spPr>
@@ -3772,7 +3772,7 @@
     <p:bg>
       <p:bgPr>
         <a:solidFill>
-          <a:schemeClr val="accent6">
+          <a:schemeClr val="accent2">
             <a:lumMod val="75000"/>
           </a:schemeClr>
         </a:solidFill>
